--- a/리액트 공부.pptx
+++ b/리액트 공부.pptx
@@ -288,7 +288,7 @@
           <a:p>
             <a:fld id="{255DB589-C8CC-4D06-938B-6BE6A30060C0}" type="datetimeFigureOut">
               <a:rPr lang="ko-KR" altLang="en-US" smtClean="0"/>
-              <a:t>2021-01-20</a:t>
+              <a:t>2021-01-21</a:t>
             </a:fld>
             <a:endParaRPr lang="ko-KR" altLang="en-US"/>
           </a:p>
@@ -486,7 +486,7 @@
           <a:p>
             <a:fld id="{255DB589-C8CC-4D06-938B-6BE6A30060C0}" type="datetimeFigureOut">
               <a:rPr lang="ko-KR" altLang="en-US" smtClean="0"/>
-              <a:t>2021-01-20</a:t>
+              <a:t>2021-01-21</a:t>
             </a:fld>
             <a:endParaRPr lang="ko-KR" altLang="en-US"/>
           </a:p>
@@ -694,7 +694,7 @@
           <a:p>
             <a:fld id="{255DB589-C8CC-4D06-938B-6BE6A30060C0}" type="datetimeFigureOut">
               <a:rPr lang="ko-KR" altLang="en-US" smtClean="0"/>
-              <a:t>2021-01-20</a:t>
+              <a:t>2021-01-21</a:t>
             </a:fld>
             <a:endParaRPr lang="ko-KR" altLang="en-US"/>
           </a:p>
@@ -892,7 +892,7 @@
           <a:p>
             <a:fld id="{255DB589-C8CC-4D06-938B-6BE6A30060C0}" type="datetimeFigureOut">
               <a:rPr lang="ko-KR" altLang="en-US" smtClean="0"/>
-              <a:t>2021-01-20</a:t>
+              <a:t>2021-01-21</a:t>
             </a:fld>
             <a:endParaRPr lang="ko-KR" altLang="en-US"/>
           </a:p>
@@ -1167,7 +1167,7 @@
           <a:p>
             <a:fld id="{255DB589-C8CC-4D06-938B-6BE6A30060C0}" type="datetimeFigureOut">
               <a:rPr lang="ko-KR" altLang="en-US" smtClean="0"/>
-              <a:t>2021-01-20</a:t>
+              <a:t>2021-01-21</a:t>
             </a:fld>
             <a:endParaRPr lang="ko-KR" altLang="en-US"/>
           </a:p>
@@ -1432,7 +1432,7 @@
           <a:p>
             <a:fld id="{255DB589-C8CC-4D06-938B-6BE6A30060C0}" type="datetimeFigureOut">
               <a:rPr lang="ko-KR" altLang="en-US" smtClean="0"/>
-              <a:t>2021-01-20</a:t>
+              <a:t>2021-01-21</a:t>
             </a:fld>
             <a:endParaRPr lang="ko-KR" altLang="en-US"/>
           </a:p>
@@ -1844,7 +1844,7 @@
           <a:p>
             <a:fld id="{255DB589-C8CC-4D06-938B-6BE6A30060C0}" type="datetimeFigureOut">
               <a:rPr lang="ko-KR" altLang="en-US" smtClean="0"/>
-              <a:t>2021-01-20</a:t>
+              <a:t>2021-01-21</a:t>
             </a:fld>
             <a:endParaRPr lang="ko-KR" altLang="en-US"/>
           </a:p>
@@ -1985,7 +1985,7 @@
           <a:p>
             <a:fld id="{255DB589-C8CC-4D06-938B-6BE6A30060C0}" type="datetimeFigureOut">
               <a:rPr lang="ko-KR" altLang="en-US" smtClean="0"/>
-              <a:t>2021-01-20</a:t>
+              <a:t>2021-01-21</a:t>
             </a:fld>
             <a:endParaRPr lang="ko-KR" altLang="en-US"/>
           </a:p>
@@ -2098,7 +2098,7 @@
           <a:p>
             <a:fld id="{255DB589-C8CC-4D06-938B-6BE6A30060C0}" type="datetimeFigureOut">
               <a:rPr lang="ko-KR" altLang="en-US" smtClean="0"/>
-              <a:t>2021-01-20</a:t>
+              <a:t>2021-01-21</a:t>
             </a:fld>
             <a:endParaRPr lang="ko-KR" altLang="en-US"/>
           </a:p>
@@ -2409,7 +2409,7 @@
           <a:p>
             <a:fld id="{255DB589-C8CC-4D06-938B-6BE6A30060C0}" type="datetimeFigureOut">
               <a:rPr lang="ko-KR" altLang="en-US" smtClean="0"/>
-              <a:t>2021-01-20</a:t>
+              <a:t>2021-01-21</a:t>
             </a:fld>
             <a:endParaRPr lang="ko-KR" altLang="en-US"/>
           </a:p>
@@ -2697,7 +2697,7 @@
           <a:p>
             <a:fld id="{255DB589-C8CC-4D06-938B-6BE6A30060C0}" type="datetimeFigureOut">
               <a:rPr lang="ko-KR" altLang="en-US" smtClean="0"/>
-              <a:t>2021-01-20</a:t>
+              <a:t>2021-01-21</a:t>
             </a:fld>
             <a:endParaRPr lang="ko-KR" altLang="en-US"/>
           </a:p>
@@ -2938,7 +2938,7 @@
           <a:p>
             <a:fld id="{255DB589-C8CC-4D06-938B-6BE6A30060C0}" type="datetimeFigureOut">
               <a:rPr lang="ko-KR" altLang="en-US" smtClean="0"/>
-              <a:t>2021-01-20</a:t>
+              <a:t>2021-01-21</a:t>
             </a:fld>
             <a:endParaRPr lang="ko-KR" altLang="en-US"/>
           </a:p>
@@ -3700,10 +3700,54 @@
           <a:bodyPr/>
           <a:lstStyle/>
           <a:p>
-            <a:endParaRPr lang="ko-KR" altLang="en-US" dirty="0"/>
-          </a:p>
-        </p:txBody>
-      </p:sp>
+            <a:r>
+              <a:rPr lang="en-US" altLang="ko-KR" dirty="0"/>
+              <a:t>…movies -&gt; </a:t>
+            </a:r>
+            <a:r>
+              <a:rPr lang="ko-KR" altLang="en-US" dirty="0"/>
+              <a:t>구조 분해 할당</a:t>
+            </a:r>
+            <a:endParaRPr lang="en-US" altLang="ko-KR" dirty="0"/>
+          </a:p>
+          <a:p>
+            <a:r>
+              <a:rPr lang="ko-KR" altLang="en-US" dirty="0"/>
+              <a:t>더한 값을 원래 배열에 더해서 보여주려고 할 때 사용</a:t>
+            </a:r>
+          </a:p>
+        </p:txBody>
+      </p:sp>
+      <p:pic>
+        <p:nvPicPr>
+          <p:cNvPr id="3" name="그림 2">
+            <a:extLst>
+              <a:ext uri="{FF2B5EF4-FFF2-40B4-BE49-F238E27FC236}">
+                <a16:creationId xmlns:a16="http://schemas.microsoft.com/office/drawing/2014/main" id="{6E42DE1D-D7A2-4D46-8724-7F2E86A47C48}"/>
+              </a:ext>
+            </a:extLst>
+          </p:cNvPr>
+          <p:cNvPicPr>
+            <a:picLocks noChangeAspect="1"/>
+          </p:cNvPicPr>
+          <p:nvPr/>
+        </p:nvPicPr>
+        <p:blipFill>
+          <a:blip r:embed="rId2"/>
+          <a:stretch>
+            <a:fillRect/>
+          </a:stretch>
+        </p:blipFill>
+        <p:spPr>
+          <a:xfrm>
+            <a:off x="990844" y="2559426"/>
+            <a:ext cx="3762375" cy="3190875"/>
+          </a:xfrm>
+          <a:prstGeom prst="rect">
+            <a:avLst/>
+          </a:prstGeom>
+        </p:spPr>
+      </p:pic>
     </p:spTree>
     <p:extLst>
       <p:ext uri="{BB962C8B-B14F-4D97-AF65-F5344CB8AC3E}">
@@ -3760,10 +3804,100 @@
           <a:bodyPr/>
           <a:lstStyle/>
           <a:p>
+            <a:r>
+              <a:rPr lang="ko-KR" altLang="en-US" dirty="0"/>
+              <a:t>자식 컴포넌트에서 부모 컴포넌트 </a:t>
+            </a:r>
+            <a:r>
+              <a:rPr lang="ko-KR" altLang="en-US" dirty="0" err="1"/>
+              <a:t>스테이트</a:t>
+            </a:r>
+            <a:r>
+              <a:rPr lang="ko-KR" altLang="en-US" dirty="0"/>
+              <a:t> 변경</a:t>
+            </a:r>
+            <a:endParaRPr lang="en-US" altLang="ko-KR" dirty="0"/>
+          </a:p>
+          <a:p>
+            <a:r>
+              <a:rPr lang="ko-KR" altLang="en-US" dirty="0"/>
+              <a:t>부모 컴포넌트에서 자식 컴포넌트로 </a:t>
+            </a:r>
+            <a:r>
+              <a:rPr lang="en-US" altLang="ko-KR" dirty="0"/>
+              <a:t>props </a:t>
+            </a:r>
+            <a:r>
+              <a:rPr lang="ko-KR" altLang="en-US" dirty="0"/>
+              <a:t>전달</a:t>
+            </a:r>
+            <a:endParaRPr lang="en-US" altLang="ko-KR" dirty="0"/>
+          </a:p>
+          <a:p>
             <a:endParaRPr lang="ko-KR" altLang="en-US" dirty="0"/>
           </a:p>
         </p:txBody>
       </p:sp>
+      <p:pic>
+        <p:nvPicPr>
+          <p:cNvPr id="6" name="그림 5">
+            <a:extLst>
+              <a:ext uri="{FF2B5EF4-FFF2-40B4-BE49-F238E27FC236}">
+                <a16:creationId xmlns:a16="http://schemas.microsoft.com/office/drawing/2014/main" id="{22C8B123-6FD1-4320-B490-3A94A16E5127}"/>
+              </a:ext>
+            </a:extLst>
+          </p:cNvPr>
+          <p:cNvPicPr>
+            <a:picLocks noChangeAspect="1"/>
+          </p:cNvPicPr>
+          <p:nvPr/>
+        </p:nvPicPr>
+        <p:blipFill>
+          <a:blip r:embed="rId2"/>
+          <a:stretch>
+            <a:fillRect/>
+          </a:stretch>
+        </p:blipFill>
+        <p:spPr>
+          <a:xfrm>
+            <a:off x="0" y="1368556"/>
+            <a:ext cx="5849539" cy="5489444"/>
+          </a:xfrm>
+          <a:prstGeom prst="rect">
+            <a:avLst/>
+          </a:prstGeom>
+        </p:spPr>
+      </p:pic>
+      <p:pic>
+        <p:nvPicPr>
+          <p:cNvPr id="8" name="그림 7">
+            <a:extLst>
+              <a:ext uri="{FF2B5EF4-FFF2-40B4-BE49-F238E27FC236}">
+                <a16:creationId xmlns:a16="http://schemas.microsoft.com/office/drawing/2014/main" id="{03003C4E-0AEF-4471-B605-90BBFEC0DD57}"/>
+              </a:ext>
+            </a:extLst>
+          </p:cNvPr>
+          <p:cNvPicPr>
+            <a:picLocks noChangeAspect="1"/>
+          </p:cNvPicPr>
+          <p:nvPr/>
+        </p:nvPicPr>
+        <p:blipFill>
+          <a:blip r:embed="rId3"/>
+          <a:stretch>
+            <a:fillRect/>
+          </a:stretch>
+        </p:blipFill>
+        <p:spPr>
+          <a:xfrm>
+            <a:off x="6264319" y="1368556"/>
+            <a:ext cx="5403438" cy="5512819"/>
+          </a:xfrm>
+          <a:prstGeom prst="rect">
+            <a:avLst/>
+          </a:prstGeom>
+        </p:spPr>
+      </p:pic>
     </p:spTree>
     <p:extLst>
       <p:ext uri="{BB962C8B-B14F-4D97-AF65-F5344CB8AC3E}">
@@ -3820,10 +3954,47 @@
           <a:bodyPr/>
           <a:lstStyle/>
           <a:p>
+            <a:r>
+              <a:rPr lang="ko-KR" altLang="en-US" dirty="0"/>
+              <a:t>영화 삭제하기</a:t>
+            </a:r>
+            <a:endParaRPr lang="en-US" altLang="ko-KR" dirty="0"/>
+          </a:p>
+          <a:p>
             <a:endParaRPr lang="ko-KR" altLang="en-US" dirty="0"/>
           </a:p>
         </p:txBody>
       </p:sp>
+      <p:pic>
+        <p:nvPicPr>
+          <p:cNvPr id="3" name="그림 2">
+            <a:extLst>
+              <a:ext uri="{FF2B5EF4-FFF2-40B4-BE49-F238E27FC236}">
+                <a16:creationId xmlns:a16="http://schemas.microsoft.com/office/drawing/2014/main" id="{046DD195-4241-4A56-A7AC-D1CC1F3D2455}"/>
+              </a:ext>
+            </a:extLst>
+          </p:cNvPr>
+          <p:cNvPicPr>
+            <a:picLocks noChangeAspect="1"/>
+          </p:cNvPicPr>
+          <p:nvPr/>
+        </p:nvPicPr>
+        <p:blipFill>
+          <a:blip r:embed="rId2"/>
+          <a:stretch>
+            <a:fillRect/>
+          </a:stretch>
+        </p:blipFill>
+        <p:spPr>
+          <a:xfrm>
+            <a:off x="838200" y="1227301"/>
+            <a:ext cx="3800475" cy="1933575"/>
+          </a:xfrm>
+          <a:prstGeom prst="rect">
+            <a:avLst/>
+          </a:prstGeom>
+        </p:spPr>
+      </p:pic>
     </p:spTree>
     <p:extLst>
       <p:ext uri="{BB962C8B-B14F-4D97-AF65-F5344CB8AC3E}">

--- a/리액트 공부.pptx
+++ b/리액트 공부.pptx
@@ -22,7 +22,11 @@
     <p:sldId id="272" r:id="rId16"/>
     <p:sldId id="273" r:id="rId17"/>
     <p:sldId id="274" r:id="rId18"/>
-    <p:sldId id="275" r:id="rId19"/>
+    <p:sldId id="276" r:id="rId19"/>
+    <p:sldId id="277" r:id="rId20"/>
+    <p:sldId id="278" r:id="rId21"/>
+    <p:sldId id="279" r:id="rId22"/>
+    <p:sldId id="280" r:id="rId23"/>
   </p:sldIdLst>
   <p:sldSz cx="12192000" cy="6858000"/>
   <p:notesSz cx="6858000" cy="9144000"/>
@@ -288,7 +292,7 @@
           <a:p>
             <a:fld id="{255DB589-C8CC-4D06-938B-6BE6A30060C0}" type="datetimeFigureOut">
               <a:rPr lang="ko-KR" altLang="en-US" smtClean="0"/>
-              <a:t>2021-01-21</a:t>
+              <a:t>2021-01-23</a:t>
             </a:fld>
             <a:endParaRPr lang="ko-KR" altLang="en-US"/>
           </a:p>
@@ -486,7 +490,7 @@
           <a:p>
             <a:fld id="{255DB589-C8CC-4D06-938B-6BE6A30060C0}" type="datetimeFigureOut">
               <a:rPr lang="ko-KR" altLang="en-US" smtClean="0"/>
-              <a:t>2021-01-21</a:t>
+              <a:t>2021-01-23</a:t>
             </a:fld>
             <a:endParaRPr lang="ko-KR" altLang="en-US"/>
           </a:p>
@@ -694,7 +698,7 @@
           <a:p>
             <a:fld id="{255DB589-C8CC-4D06-938B-6BE6A30060C0}" type="datetimeFigureOut">
               <a:rPr lang="ko-KR" altLang="en-US" smtClean="0"/>
-              <a:t>2021-01-21</a:t>
+              <a:t>2021-01-23</a:t>
             </a:fld>
             <a:endParaRPr lang="ko-KR" altLang="en-US"/>
           </a:p>
@@ -892,7 +896,7 @@
           <a:p>
             <a:fld id="{255DB589-C8CC-4D06-938B-6BE6A30060C0}" type="datetimeFigureOut">
               <a:rPr lang="ko-KR" altLang="en-US" smtClean="0"/>
-              <a:t>2021-01-21</a:t>
+              <a:t>2021-01-23</a:t>
             </a:fld>
             <a:endParaRPr lang="ko-KR" altLang="en-US"/>
           </a:p>
@@ -1167,7 +1171,7 @@
           <a:p>
             <a:fld id="{255DB589-C8CC-4D06-938B-6BE6A30060C0}" type="datetimeFigureOut">
               <a:rPr lang="ko-KR" altLang="en-US" smtClean="0"/>
-              <a:t>2021-01-21</a:t>
+              <a:t>2021-01-23</a:t>
             </a:fld>
             <a:endParaRPr lang="ko-KR" altLang="en-US"/>
           </a:p>
@@ -1432,7 +1436,7 @@
           <a:p>
             <a:fld id="{255DB589-C8CC-4D06-938B-6BE6A30060C0}" type="datetimeFigureOut">
               <a:rPr lang="ko-KR" altLang="en-US" smtClean="0"/>
-              <a:t>2021-01-21</a:t>
+              <a:t>2021-01-23</a:t>
             </a:fld>
             <a:endParaRPr lang="ko-KR" altLang="en-US"/>
           </a:p>
@@ -1844,7 +1848,7 @@
           <a:p>
             <a:fld id="{255DB589-C8CC-4D06-938B-6BE6A30060C0}" type="datetimeFigureOut">
               <a:rPr lang="ko-KR" altLang="en-US" smtClean="0"/>
-              <a:t>2021-01-21</a:t>
+              <a:t>2021-01-23</a:t>
             </a:fld>
             <a:endParaRPr lang="ko-KR" altLang="en-US"/>
           </a:p>
@@ -1985,7 +1989,7 @@
           <a:p>
             <a:fld id="{255DB589-C8CC-4D06-938B-6BE6A30060C0}" type="datetimeFigureOut">
               <a:rPr lang="ko-KR" altLang="en-US" smtClean="0"/>
-              <a:t>2021-01-21</a:t>
+              <a:t>2021-01-23</a:t>
             </a:fld>
             <a:endParaRPr lang="ko-KR" altLang="en-US"/>
           </a:p>
@@ -2098,7 +2102,7 @@
           <a:p>
             <a:fld id="{255DB589-C8CC-4D06-938B-6BE6A30060C0}" type="datetimeFigureOut">
               <a:rPr lang="ko-KR" altLang="en-US" smtClean="0"/>
-              <a:t>2021-01-21</a:t>
+              <a:t>2021-01-23</a:t>
             </a:fld>
             <a:endParaRPr lang="ko-KR" altLang="en-US"/>
           </a:p>
@@ -2409,7 +2413,7 @@
           <a:p>
             <a:fld id="{255DB589-C8CC-4D06-938B-6BE6A30060C0}" type="datetimeFigureOut">
               <a:rPr lang="ko-KR" altLang="en-US" smtClean="0"/>
-              <a:t>2021-01-21</a:t>
+              <a:t>2021-01-23</a:t>
             </a:fld>
             <a:endParaRPr lang="ko-KR" altLang="en-US"/>
           </a:p>
@@ -2697,7 +2701,7 @@
           <a:p>
             <a:fld id="{255DB589-C8CC-4D06-938B-6BE6A30060C0}" type="datetimeFigureOut">
               <a:rPr lang="ko-KR" altLang="en-US" smtClean="0"/>
-              <a:t>2021-01-21</a:t>
+              <a:t>2021-01-23</a:t>
             </a:fld>
             <a:endParaRPr lang="ko-KR" altLang="en-US"/>
           </a:p>
@@ -2938,7 +2942,7 @@
           <a:p>
             <a:fld id="{255DB589-C8CC-4D06-938B-6BE6A30060C0}" type="datetimeFigureOut">
               <a:rPr lang="ko-KR" altLang="en-US" smtClean="0"/>
-              <a:t>2021-01-21</a:t>
+              <a:t>2021-01-23</a:t>
             </a:fld>
             <a:endParaRPr lang="ko-KR" altLang="en-US"/>
           </a:p>
@@ -4051,10 +4055,80 @@
           <a:bodyPr/>
           <a:lstStyle/>
           <a:p>
+            <a:r>
+              <a:rPr lang="ko-KR" altLang="en-US" dirty="0"/>
+              <a:t>영화 추가 </a:t>
+            </a:r>
+            <a:r>
+              <a:rPr lang="en-US" altLang="ko-KR" dirty="0"/>
+              <a:t>validation</a:t>
+            </a:r>
+          </a:p>
+          <a:p>
             <a:endParaRPr lang="ko-KR" altLang="en-US" dirty="0"/>
           </a:p>
         </p:txBody>
       </p:sp>
+      <p:pic>
+        <p:nvPicPr>
+          <p:cNvPr id="3" name="그림 2">
+            <a:extLst>
+              <a:ext uri="{FF2B5EF4-FFF2-40B4-BE49-F238E27FC236}">
+                <a16:creationId xmlns:a16="http://schemas.microsoft.com/office/drawing/2014/main" id="{8DC85B0B-A428-4B92-9525-5A18E60087A9}"/>
+              </a:ext>
+            </a:extLst>
+          </p:cNvPr>
+          <p:cNvPicPr>
+            <a:picLocks noChangeAspect="1"/>
+          </p:cNvPicPr>
+          <p:nvPr/>
+        </p:nvPicPr>
+        <p:blipFill>
+          <a:blip r:embed="rId2"/>
+          <a:stretch>
+            <a:fillRect/>
+          </a:stretch>
+        </p:blipFill>
+        <p:spPr>
+          <a:xfrm>
+            <a:off x="1756411" y="1055801"/>
+            <a:ext cx="4339589" cy="5887039"/>
+          </a:xfrm>
+          <a:prstGeom prst="rect">
+            <a:avLst/>
+          </a:prstGeom>
+        </p:spPr>
+      </p:pic>
+      <p:pic>
+        <p:nvPicPr>
+          <p:cNvPr id="6" name="그림 5">
+            <a:extLst>
+              <a:ext uri="{FF2B5EF4-FFF2-40B4-BE49-F238E27FC236}">
+                <a16:creationId xmlns:a16="http://schemas.microsoft.com/office/drawing/2014/main" id="{43C2CEF1-8071-42F9-B7A9-9BBFFB6B8639}"/>
+              </a:ext>
+            </a:extLst>
+          </p:cNvPr>
+          <p:cNvPicPr>
+            <a:picLocks noChangeAspect="1"/>
+          </p:cNvPicPr>
+          <p:nvPr/>
+        </p:nvPicPr>
+        <p:blipFill>
+          <a:blip r:embed="rId3"/>
+          <a:stretch>
+            <a:fillRect/>
+          </a:stretch>
+        </p:blipFill>
+        <p:spPr>
+          <a:xfrm>
+            <a:off x="6981825" y="1055801"/>
+            <a:ext cx="3486150" cy="3343275"/>
+          </a:xfrm>
+          <a:prstGeom prst="rect">
+            <a:avLst/>
+          </a:prstGeom>
+        </p:spPr>
+      </p:pic>
     </p:spTree>
     <p:extLst>
       <p:ext uri="{BB962C8B-B14F-4D97-AF65-F5344CB8AC3E}">
@@ -4111,10 +4185,81 @@
           <a:bodyPr/>
           <a:lstStyle/>
           <a:p>
+            <a:r>
+              <a:rPr lang="en-US" altLang="ko-KR"/>
+              <a:t>InputField </a:t>
+            </a:r>
+            <a:r>
+              <a:rPr lang="ko-KR" altLang="en-US"/>
+              <a:t>컴포넌트로 빼주기</a:t>
+            </a:r>
+            <a:endParaRPr lang="en-US" altLang="ko-KR"/>
+          </a:p>
+          <a:p>
             <a:endParaRPr lang="ko-KR" altLang="en-US" dirty="0"/>
           </a:p>
         </p:txBody>
       </p:sp>
+      <p:pic>
+        <p:nvPicPr>
+          <p:cNvPr id="3" name="그림 2">
+            <a:extLst>
+              <a:ext uri="{FF2B5EF4-FFF2-40B4-BE49-F238E27FC236}">
+                <a16:creationId xmlns:a16="http://schemas.microsoft.com/office/drawing/2014/main" id="{78D3211E-E05C-4EDE-8A01-CCD3F4E226D4}"/>
+              </a:ext>
+            </a:extLst>
+          </p:cNvPr>
+          <p:cNvPicPr>
+            <a:picLocks noChangeAspect="1"/>
+          </p:cNvPicPr>
+          <p:nvPr/>
+        </p:nvPicPr>
+        <p:blipFill>
+          <a:blip r:embed="rId2"/>
+          <a:stretch>
+            <a:fillRect/>
+          </a:stretch>
+        </p:blipFill>
+        <p:spPr>
+          <a:xfrm>
+            <a:off x="0" y="1046162"/>
+            <a:ext cx="6073489" cy="5811838"/>
+          </a:xfrm>
+          <a:prstGeom prst="rect">
+            <a:avLst/>
+          </a:prstGeom>
+        </p:spPr>
+      </p:pic>
+      <p:pic>
+        <p:nvPicPr>
+          <p:cNvPr id="8" name="그림 7">
+            <a:extLst>
+              <a:ext uri="{FF2B5EF4-FFF2-40B4-BE49-F238E27FC236}">
+                <a16:creationId xmlns:a16="http://schemas.microsoft.com/office/drawing/2014/main" id="{ECEDC451-A21E-4189-8293-A98C718743A0}"/>
+              </a:ext>
+            </a:extLst>
+          </p:cNvPr>
+          <p:cNvPicPr>
+            <a:picLocks noChangeAspect="1"/>
+          </p:cNvPicPr>
+          <p:nvPr/>
+        </p:nvPicPr>
+        <p:blipFill>
+          <a:blip r:embed="rId3"/>
+          <a:stretch>
+            <a:fillRect/>
+          </a:stretch>
+        </p:blipFill>
+        <p:spPr>
+          <a:xfrm>
+            <a:off x="6073489" y="1046162"/>
+            <a:ext cx="6107745" cy="5547544"/>
+          </a:xfrm>
+          <a:prstGeom prst="rect">
+            <a:avLst/>
+          </a:prstGeom>
+        </p:spPr>
+      </p:pic>
     </p:spTree>
     <p:extLst>
       <p:ext uri="{BB962C8B-B14F-4D97-AF65-F5344CB8AC3E}">
@@ -4171,10 +4316,81 @@
           <a:bodyPr/>
           <a:lstStyle/>
           <a:p>
+            <a:r>
+              <a:rPr lang="ko-KR" altLang="en-US" dirty="0" err="1"/>
+              <a:t>리액트</a:t>
+            </a:r>
+            <a:r>
+              <a:rPr lang="ko-KR" altLang="en-US" dirty="0"/>
+              <a:t> 라우터</a:t>
+            </a:r>
+            <a:endParaRPr lang="en-US" altLang="ko-KR" dirty="0"/>
+          </a:p>
+          <a:p>
             <a:endParaRPr lang="ko-KR" altLang="en-US" dirty="0"/>
           </a:p>
         </p:txBody>
       </p:sp>
+      <p:pic>
+        <p:nvPicPr>
+          <p:cNvPr id="5" name="그림 4">
+            <a:extLst>
+              <a:ext uri="{FF2B5EF4-FFF2-40B4-BE49-F238E27FC236}">
+                <a16:creationId xmlns:a16="http://schemas.microsoft.com/office/drawing/2014/main" id="{AF930313-12DB-4A61-9CC1-D5803660ED32}"/>
+              </a:ext>
+            </a:extLst>
+          </p:cNvPr>
+          <p:cNvPicPr>
+            <a:picLocks noChangeAspect="1"/>
+          </p:cNvPicPr>
+          <p:nvPr/>
+        </p:nvPicPr>
+        <p:blipFill>
+          <a:blip r:embed="rId2"/>
+          <a:stretch>
+            <a:fillRect/>
+          </a:stretch>
+        </p:blipFill>
+        <p:spPr>
+          <a:xfrm>
+            <a:off x="838200" y="930013"/>
+            <a:ext cx="3533775" cy="2000250"/>
+          </a:xfrm>
+          <a:prstGeom prst="rect">
+            <a:avLst/>
+          </a:prstGeom>
+        </p:spPr>
+      </p:pic>
+      <p:pic>
+        <p:nvPicPr>
+          <p:cNvPr id="7" name="그림 6">
+            <a:extLst>
+              <a:ext uri="{FF2B5EF4-FFF2-40B4-BE49-F238E27FC236}">
+                <a16:creationId xmlns:a16="http://schemas.microsoft.com/office/drawing/2014/main" id="{E3FD9537-CD16-4034-8C00-833B66491BE2}"/>
+              </a:ext>
+            </a:extLst>
+          </p:cNvPr>
+          <p:cNvPicPr>
+            <a:picLocks noChangeAspect="1"/>
+          </p:cNvPicPr>
+          <p:nvPr/>
+        </p:nvPicPr>
+        <p:blipFill>
+          <a:blip r:embed="rId3"/>
+          <a:stretch>
+            <a:fillRect/>
+          </a:stretch>
+        </p:blipFill>
+        <p:spPr>
+          <a:xfrm>
+            <a:off x="838200" y="2930263"/>
+            <a:ext cx="6657975" cy="1647825"/>
+          </a:xfrm>
+          <a:prstGeom prst="rect">
+            <a:avLst/>
+          </a:prstGeom>
+        </p:spPr>
+      </p:pic>
     </p:spTree>
     <p:extLst>
       <p:ext uri="{BB962C8B-B14F-4D97-AF65-F5344CB8AC3E}">
@@ -4231,14 +4447,182 @@
           <a:bodyPr/>
           <a:lstStyle/>
           <a:p>
+            <a:r>
+              <a:rPr lang="en-US" altLang="ko-KR" dirty="0"/>
+              <a:t>React Router</a:t>
+            </a:r>
+          </a:p>
+          <a:p>
             <a:endParaRPr lang="ko-KR" altLang="en-US" dirty="0"/>
           </a:p>
         </p:txBody>
       </p:sp>
+      <p:pic>
+        <p:nvPicPr>
+          <p:cNvPr id="6" name="그림 5">
+            <a:extLst>
+              <a:ext uri="{FF2B5EF4-FFF2-40B4-BE49-F238E27FC236}">
+                <a16:creationId xmlns:a16="http://schemas.microsoft.com/office/drawing/2014/main" id="{9FF165AC-9AB2-42CA-AACD-2BBBE02752ED}"/>
+              </a:ext>
+            </a:extLst>
+          </p:cNvPr>
+          <p:cNvPicPr>
+            <a:picLocks noChangeAspect="1"/>
+          </p:cNvPicPr>
+          <p:nvPr/>
+        </p:nvPicPr>
+        <p:blipFill>
+          <a:blip r:embed="rId2"/>
+          <a:stretch>
+            <a:fillRect/>
+          </a:stretch>
+        </p:blipFill>
+        <p:spPr>
+          <a:xfrm>
+            <a:off x="0" y="1013620"/>
+            <a:ext cx="7264211" cy="1739008"/>
+          </a:xfrm>
+          <a:prstGeom prst="rect">
+            <a:avLst/>
+          </a:prstGeom>
+        </p:spPr>
+      </p:pic>
+      <p:pic>
+        <p:nvPicPr>
+          <p:cNvPr id="8" name="그림 7">
+            <a:extLst>
+              <a:ext uri="{FF2B5EF4-FFF2-40B4-BE49-F238E27FC236}">
+                <a16:creationId xmlns:a16="http://schemas.microsoft.com/office/drawing/2014/main" id="{80859D19-85EE-49BE-8DE2-00766F413EE1}"/>
+              </a:ext>
+            </a:extLst>
+          </p:cNvPr>
+          <p:cNvPicPr>
+            <a:picLocks noChangeAspect="1"/>
+          </p:cNvPicPr>
+          <p:nvPr/>
+        </p:nvPicPr>
+        <p:blipFill>
+          <a:blip r:embed="rId3"/>
+          <a:stretch>
+            <a:fillRect/>
+          </a:stretch>
+        </p:blipFill>
+        <p:spPr>
+          <a:xfrm>
+            <a:off x="7248525" y="1933575"/>
+            <a:ext cx="4943475" cy="4924425"/>
+          </a:xfrm>
+          <a:prstGeom prst="rect">
+            <a:avLst/>
+          </a:prstGeom>
+        </p:spPr>
+      </p:pic>
     </p:spTree>
     <p:extLst>
       <p:ext uri="{BB962C8B-B14F-4D97-AF65-F5344CB8AC3E}">
-        <p14:creationId xmlns:p14="http://schemas.microsoft.com/office/powerpoint/2010/main" val="2108454236"/>
+        <p14:creationId xmlns:p14="http://schemas.microsoft.com/office/powerpoint/2010/main" val="873004790"/>
+      </p:ext>
+    </p:extLst>
+  </p:cSld>
+  <p:clrMapOvr>
+    <a:masterClrMapping/>
+  </p:clrMapOvr>
+</p:sld>
+</file>
+
+<file path=ppt/slides/slide19.xml><?xml version="1.0" encoding="utf-8"?>
+<p:sld xmlns:a="http://schemas.openxmlformats.org/drawingml/2006/main" xmlns:r="http://schemas.openxmlformats.org/officeDocument/2006/relationships" xmlns:p="http://schemas.openxmlformats.org/presentationml/2006/main">
+  <p:cSld>
+    <p:spTree>
+      <p:nvGrpSpPr>
+        <p:cNvPr id="1" name=""/>
+        <p:cNvGrpSpPr/>
+        <p:nvPr/>
+      </p:nvGrpSpPr>
+      <p:grpSpPr>
+        <a:xfrm>
+          <a:off x="0" y="0"/>
+          <a:ext cx="0" cy="0"/>
+          <a:chOff x="0" y="0"/>
+          <a:chExt cx="0" cy="0"/>
+        </a:xfrm>
+      </p:grpSpPr>
+      <p:sp>
+        <p:nvSpPr>
+          <p:cNvPr id="4" name="내용 개체 틀 2">
+            <a:extLst>
+              <a:ext uri="{FF2B5EF4-FFF2-40B4-BE49-F238E27FC236}">
+                <a16:creationId xmlns:a16="http://schemas.microsoft.com/office/drawing/2014/main" id="{416838FF-5FC6-49E9-ACF8-55D2D93FF7AC}"/>
+              </a:ext>
+            </a:extLst>
+          </p:cNvPr>
+          <p:cNvSpPr>
+            <a:spLocks noGrp="1"/>
+          </p:cNvSpPr>
+          <p:nvPr>
+            <p:ph idx="1"/>
+          </p:nvPr>
+        </p:nvSpPr>
+        <p:spPr>
+          <a:xfrm>
+            <a:off x="838200" y="365125"/>
+            <a:ext cx="10515600" cy="5811838"/>
+          </a:xfrm>
+        </p:spPr>
+        <p:txBody>
+          <a:bodyPr/>
+          <a:lstStyle/>
+          <a:p>
+            <a:r>
+              <a:rPr lang="en-US" altLang="ko-KR" dirty="0"/>
+              <a:t>React Router</a:t>
+            </a:r>
+          </a:p>
+          <a:p>
+            <a:r>
+              <a:rPr lang="en-US" altLang="ko-KR" dirty="0"/>
+              <a:t>Link</a:t>
+            </a:r>
+          </a:p>
+          <a:p>
+            <a:endParaRPr lang="ko-KR" altLang="en-US" dirty="0"/>
+          </a:p>
+        </p:txBody>
+      </p:sp>
+      <p:pic>
+        <p:nvPicPr>
+          <p:cNvPr id="3" name="그림 2">
+            <a:extLst>
+              <a:ext uri="{FF2B5EF4-FFF2-40B4-BE49-F238E27FC236}">
+                <a16:creationId xmlns:a16="http://schemas.microsoft.com/office/drawing/2014/main" id="{696964E8-DD2C-4B36-9610-B8561A5AB096}"/>
+              </a:ext>
+            </a:extLst>
+          </p:cNvPr>
+          <p:cNvPicPr>
+            <a:picLocks noChangeAspect="1"/>
+          </p:cNvPicPr>
+          <p:nvPr/>
+        </p:nvPicPr>
+        <p:blipFill>
+          <a:blip r:embed="rId2"/>
+          <a:stretch>
+            <a:fillRect/>
+          </a:stretch>
+        </p:blipFill>
+        <p:spPr>
+          <a:xfrm>
+            <a:off x="4485325" y="0"/>
+            <a:ext cx="7237168" cy="6858000"/>
+          </a:xfrm>
+          <a:prstGeom prst="rect">
+            <a:avLst/>
+          </a:prstGeom>
+        </p:spPr>
+      </p:pic>
+    </p:spTree>
+    <p:extLst>
+      <p:ext uri="{BB962C8B-B14F-4D97-AF65-F5344CB8AC3E}">
+        <p14:creationId xmlns:p14="http://schemas.microsoft.com/office/powerpoint/2010/main" val="82869713"/>
       </p:ext>
     </p:extLst>
   </p:cSld>
@@ -4377,6 +4761,276 @@
     <p:extLst>
       <p:ext uri="{BB962C8B-B14F-4D97-AF65-F5344CB8AC3E}">
         <p14:creationId xmlns:p14="http://schemas.microsoft.com/office/powerpoint/2010/main" val="4244323511"/>
+      </p:ext>
+    </p:extLst>
+  </p:cSld>
+  <p:clrMapOvr>
+    <a:masterClrMapping/>
+  </p:clrMapOvr>
+</p:sld>
+</file>
+
+<file path=ppt/slides/slide20.xml><?xml version="1.0" encoding="utf-8"?>
+<p:sld xmlns:a="http://schemas.openxmlformats.org/drawingml/2006/main" xmlns:r="http://schemas.openxmlformats.org/officeDocument/2006/relationships" xmlns:p="http://schemas.openxmlformats.org/presentationml/2006/main">
+  <p:cSld>
+    <p:spTree>
+      <p:nvGrpSpPr>
+        <p:cNvPr id="1" name=""/>
+        <p:cNvGrpSpPr/>
+        <p:nvPr/>
+      </p:nvGrpSpPr>
+      <p:grpSpPr>
+        <a:xfrm>
+          <a:off x="0" y="0"/>
+          <a:ext cx="0" cy="0"/>
+          <a:chOff x="0" y="0"/>
+          <a:chExt cx="0" cy="0"/>
+        </a:xfrm>
+      </p:grpSpPr>
+      <p:sp>
+        <p:nvSpPr>
+          <p:cNvPr id="4" name="내용 개체 틀 2">
+            <a:extLst>
+              <a:ext uri="{FF2B5EF4-FFF2-40B4-BE49-F238E27FC236}">
+                <a16:creationId xmlns:a16="http://schemas.microsoft.com/office/drawing/2014/main" id="{416838FF-5FC6-49E9-ACF8-55D2D93FF7AC}"/>
+              </a:ext>
+            </a:extLst>
+          </p:cNvPr>
+          <p:cNvSpPr>
+            <a:spLocks noGrp="1"/>
+          </p:cNvSpPr>
+          <p:nvPr>
+            <p:ph idx="1"/>
+          </p:nvPr>
+        </p:nvSpPr>
+        <p:spPr>
+          <a:xfrm>
+            <a:off x="838200" y="365125"/>
+            <a:ext cx="10515600" cy="5811838"/>
+          </a:xfrm>
+        </p:spPr>
+        <p:txBody>
+          <a:bodyPr/>
+          <a:lstStyle/>
+          <a:p>
+            <a:r>
+              <a:rPr lang="en-US" altLang="ko-KR" dirty="0"/>
+              <a:t>Web site -&gt; </a:t>
+            </a:r>
+            <a:r>
+              <a:rPr lang="ko-KR" altLang="en-US" dirty="0"/>
+              <a:t>요청 </a:t>
+            </a:r>
+            <a:r>
+              <a:rPr lang="en-US" altLang="ko-KR" dirty="0"/>
+              <a:t>-&gt; </a:t>
+            </a:r>
+            <a:r>
+              <a:rPr lang="ko-KR" altLang="en-US" dirty="0"/>
+              <a:t>서버</a:t>
+            </a:r>
+            <a:endParaRPr lang="en-US" altLang="ko-KR" dirty="0"/>
+          </a:p>
+          <a:p>
+            <a:r>
+              <a:rPr lang="en-US" altLang="ko-KR" dirty="0"/>
+              <a:t>(Home)     </a:t>
+            </a:r>
+            <a:r>
+              <a:rPr lang="en-US" altLang="ko-KR" dirty="0" err="1"/>
+              <a:t>html,js</a:t>
+            </a:r>
+            <a:r>
+              <a:rPr lang="en-US" altLang="ko-KR" dirty="0"/>
+              <a:t>&lt;-</a:t>
+            </a:r>
+          </a:p>
+          <a:p>
+            <a:endParaRPr lang="en-US" altLang="ko-KR" dirty="0"/>
+          </a:p>
+          <a:p>
+            <a:r>
+              <a:rPr lang="en-US" altLang="ko-KR" dirty="0"/>
+              <a:t>Movies	Users (</a:t>
+            </a:r>
+            <a:r>
+              <a:rPr lang="ko-KR" altLang="en-US" dirty="0"/>
+              <a:t>한 번에 다 포함해서 로딩</a:t>
+            </a:r>
+            <a:r>
+              <a:rPr lang="en-US" altLang="ko-KR" dirty="0"/>
+              <a:t>) </a:t>
+            </a:r>
+            <a:r>
+              <a:rPr lang="ko-KR" altLang="en-US" dirty="0"/>
+              <a:t>그래서 처음 로딩 할  때 오래 걸린다</a:t>
+            </a:r>
+            <a:r>
+              <a:rPr lang="en-US" altLang="ko-KR" dirty="0"/>
+              <a:t>. </a:t>
+            </a:r>
+            <a:r>
+              <a:rPr lang="ko-KR" altLang="en-US" dirty="0"/>
+              <a:t>대신에 페이지 이동 시 로딩 속도가 거의 없다</a:t>
+            </a:r>
+            <a:r>
+              <a:rPr lang="en-US" altLang="ko-KR" dirty="0"/>
+              <a:t>.</a:t>
+            </a:r>
+          </a:p>
+        </p:txBody>
+      </p:sp>
+    </p:spTree>
+    <p:extLst>
+      <p:ext uri="{BB962C8B-B14F-4D97-AF65-F5344CB8AC3E}">
+        <p14:creationId xmlns:p14="http://schemas.microsoft.com/office/powerpoint/2010/main" val="1145375598"/>
+      </p:ext>
+    </p:extLst>
+  </p:cSld>
+  <p:clrMapOvr>
+    <a:masterClrMapping/>
+  </p:clrMapOvr>
+</p:sld>
+</file>
+
+<file path=ppt/slides/slide21.xml><?xml version="1.0" encoding="utf-8"?>
+<p:sld xmlns:a="http://schemas.openxmlformats.org/drawingml/2006/main" xmlns:r="http://schemas.openxmlformats.org/officeDocument/2006/relationships" xmlns:p="http://schemas.openxmlformats.org/presentationml/2006/main">
+  <p:cSld>
+    <p:spTree>
+      <p:nvGrpSpPr>
+        <p:cNvPr id="1" name=""/>
+        <p:cNvGrpSpPr/>
+        <p:nvPr/>
+      </p:nvGrpSpPr>
+      <p:grpSpPr>
+        <a:xfrm>
+          <a:off x="0" y="0"/>
+          <a:ext cx="0" cy="0"/>
+          <a:chOff x="0" y="0"/>
+          <a:chExt cx="0" cy="0"/>
+        </a:xfrm>
+      </p:grpSpPr>
+      <p:sp>
+        <p:nvSpPr>
+          <p:cNvPr id="4" name="내용 개체 틀 2">
+            <a:extLst>
+              <a:ext uri="{FF2B5EF4-FFF2-40B4-BE49-F238E27FC236}">
+                <a16:creationId xmlns:a16="http://schemas.microsoft.com/office/drawing/2014/main" id="{416838FF-5FC6-49E9-ACF8-55D2D93FF7AC}"/>
+              </a:ext>
+            </a:extLst>
+          </p:cNvPr>
+          <p:cNvSpPr>
+            <a:spLocks noGrp="1"/>
+          </p:cNvSpPr>
+          <p:nvPr>
+            <p:ph idx="1"/>
+          </p:nvPr>
+        </p:nvSpPr>
+        <p:spPr>
+          <a:xfrm>
+            <a:off x="838200" y="365125"/>
+            <a:ext cx="10515600" cy="5811838"/>
+          </a:xfrm>
+        </p:spPr>
+        <p:txBody>
+          <a:bodyPr/>
+          <a:lstStyle/>
+          <a:p>
+            <a:r>
+              <a:rPr lang="en-US" altLang="ko-KR" dirty="0" err="1"/>
+              <a:t>NavLink</a:t>
+            </a:r>
+            <a:r>
+              <a:rPr lang="ko-KR" altLang="en-US" dirty="0"/>
+              <a:t>로 사용하면 클릭한 </a:t>
+            </a:r>
+            <a:r>
+              <a:rPr lang="en-US" altLang="ko-KR" dirty="0"/>
+              <a:t>Navbar </a:t>
+            </a:r>
+            <a:r>
+              <a:rPr lang="ko-KR" altLang="en-US" dirty="0"/>
+              <a:t>부분만 검은색으로 색깔이 입혀지고 다른 </a:t>
+            </a:r>
+            <a:r>
+              <a:rPr lang="en-US" altLang="ko-KR" dirty="0"/>
+              <a:t>Navbar </a:t>
+            </a:r>
+            <a:r>
+              <a:rPr lang="ko-KR" altLang="en-US" dirty="0"/>
+              <a:t>버튼들은 회색으로 되어 있다</a:t>
+            </a:r>
+            <a:r>
+              <a:rPr lang="en-US" altLang="ko-KR" dirty="0"/>
+              <a:t>.</a:t>
+            </a:r>
+          </a:p>
+        </p:txBody>
+      </p:sp>
+    </p:spTree>
+    <p:extLst>
+      <p:ext uri="{BB962C8B-B14F-4D97-AF65-F5344CB8AC3E}">
+        <p14:creationId xmlns:p14="http://schemas.microsoft.com/office/powerpoint/2010/main" val="136585421"/>
+      </p:ext>
+    </p:extLst>
+  </p:cSld>
+  <p:clrMapOvr>
+    <a:masterClrMapping/>
+  </p:clrMapOvr>
+</p:sld>
+</file>
+
+<file path=ppt/slides/slide22.xml><?xml version="1.0" encoding="utf-8"?>
+<p:sld xmlns:a="http://schemas.openxmlformats.org/drawingml/2006/main" xmlns:r="http://schemas.openxmlformats.org/officeDocument/2006/relationships" xmlns:p="http://schemas.openxmlformats.org/presentationml/2006/main">
+  <p:cSld>
+    <p:spTree>
+      <p:nvGrpSpPr>
+        <p:cNvPr id="1" name=""/>
+        <p:cNvGrpSpPr/>
+        <p:nvPr/>
+      </p:nvGrpSpPr>
+      <p:grpSpPr>
+        <a:xfrm>
+          <a:off x="0" y="0"/>
+          <a:ext cx="0" cy="0"/>
+          <a:chOff x="0" y="0"/>
+          <a:chExt cx="0" cy="0"/>
+        </a:xfrm>
+      </p:grpSpPr>
+      <p:sp>
+        <p:nvSpPr>
+          <p:cNvPr id="4" name="내용 개체 틀 2">
+            <a:extLst>
+              <a:ext uri="{FF2B5EF4-FFF2-40B4-BE49-F238E27FC236}">
+                <a16:creationId xmlns:a16="http://schemas.microsoft.com/office/drawing/2014/main" id="{416838FF-5FC6-49E9-ACF8-55D2D93FF7AC}"/>
+              </a:ext>
+            </a:extLst>
+          </p:cNvPr>
+          <p:cNvSpPr>
+            <a:spLocks noGrp="1"/>
+          </p:cNvSpPr>
+          <p:nvPr>
+            <p:ph idx="1"/>
+          </p:nvPr>
+        </p:nvSpPr>
+        <p:spPr>
+          <a:xfrm>
+            <a:off x="838200" y="365125"/>
+            <a:ext cx="10515600" cy="5811838"/>
+          </a:xfrm>
+        </p:spPr>
+        <p:txBody>
+          <a:bodyPr/>
+          <a:lstStyle/>
+          <a:p>
+            <a:endParaRPr lang="ko-KR" altLang="en-US" dirty="0"/>
+          </a:p>
+        </p:txBody>
+      </p:sp>
+    </p:spTree>
+    <p:extLst>
+      <p:ext uri="{BB962C8B-B14F-4D97-AF65-F5344CB8AC3E}">
+        <p14:creationId xmlns:p14="http://schemas.microsoft.com/office/powerpoint/2010/main" val="2300205939"/>
       </p:ext>
     </p:extLst>
   </p:cSld>
